--- a/Assignments/P3_Diagrams.pptx
+++ b/Assignments/P3_Diagrams.pptx
@@ -6,7 +6,8 @@
   </p:sldMasterIdLst>
   <p:sldIdLst>
     <p:sldId id="258" r:id="rId2"/>
-    <p:sldId id="259" r:id="rId3"/>
+    <p:sldId id="260" r:id="rId3"/>
+    <p:sldId id="259" r:id="rId4"/>
   </p:sldIdLst>
   <p:sldSz cx="12192000" cy="6858000"/>
   <p:notesSz cx="6858000" cy="9144000"/>
@@ -260,7 +261,7 @@
           <a:p>
             <a:fld id="{9D72338F-C393-4AAC-93F4-F06D2D57D182}" type="datetimeFigureOut">
               <a:rPr lang="en-US" smtClean="0"/>
-              <a:t>4/19/2019</a:t>
+              <a:t>5/1/2019</a:t>
             </a:fld>
             <a:endParaRPr lang="en-US"/>
           </a:p>
@@ -458,7 +459,7 @@
           <a:p>
             <a:fld id="{9D72338F-C393-4AAC-93F4-F06D2D57D182}" type="datetimeFigureOut">
               <a:rPr lang="en-US" smtClean="0"/>
-              <a:t>4/19/2019</a:t>
+              <a:t>5/1/2019</a:t>
             </a:fld>
             <a:endParaRPr lang="en-US"/>
           </a:p>
@@ -666,7 +667,7 @@
           <a:p>
             <a:fld id="{9D72338F-C393-4AAC-93F4-F06D2D57D182}" type="datetimeFigureOut">
               <a:rPr lang="en-US" smtClean="0"/>
-              <a:t>4/19/2019</a:t>
+              <a:t>5/1/2019</a:t>
             </a:fld>
             <a:endParaRPr lang="en-US"/>
           </a:p>
@@ -864,7 +865,7 @@
           <a:p>
             <a:fld id="{9D72338F-C393-4AAC-93F4-F06D2D57D182}" type="datetimeFigureOut">
               <a:rPr lang="en-US" smtClean="0"/>
-              <a:t>4/19/2019</a:t>
+              <a:t>5/1/2019</a:t>
             </a:fld>
             <a:endParaRPr lang="en-US"/>
           </a:p>
@@ -1139,7 +1140,7 @@
           <a:p>
             <a:fld id="{9D72338F-C393-4AAC-93F4-F06D2D57D182}" type="datetimeFigureOut">
               <a:rPr lang="en-US" smtClean="0"/>
-              <a:t>4/19/2019</a:t>
+              <a:t>5/1/2019</a:t>
             </a:fld>
             <a:endParaRPr lang="en-US"/>
           </a:p>
@@ -1404,7 +1405,7 @@
           <a:p>
             <a:fld id="{9D72338F-C393-4AAC-93F4-F06D2D57D182}" type="datetimeFigureOut">
               <a:rPr lang="en-US" smtClean="0"/>
-              <a:t>4/19/2019</a:t>
+              <a:t>5/1/2019</a:t>
             </a:fld>
             <a:endParaRPr lang="en-US"/>
           </a:p>
@@ -1816,7 +1817,7 @@
           <a:p>
             <a:fld id="{9D72338F-C393-4AAC-93F4-F06D2D57D182}" type="datetimeFigureOut">
               <a:rPr lang="en-US" smtClean="0"/>
-              <a:t>4/19/2019</a:t>
+              <a:t>5/1/2019</a:t>
             </a:fld>
             <a:endParaRPr lang="en-US"/>
           </a:p>
@@ -1957,7 +1958,7 @@
           <a:p>
             <a:fld id="{9D72338F-C393-4AAC-93F4-F06D2D57D182}" type="datetimeFigureOut">
               <a:rPr lang="en-US" smtClean="0"/>
-              <a:t>4/19/2019</a:t>
+              <a:t>5/1/2019</a:t>
             </a:fld>
             <a:endParaRPr lang="en-US"/>
           </a:p>
@@ -2070,7 +2071,7 @@
           <a:p>
             <a:fld id="{9D72338F-C393-4AAC-93F4-F06D2D57D182}" type="datetimeFigureOut">
               <a:rPr lang="en-US" smtClean="0"/>
-              <a:t>4/19/2019</a:t>
+              <a:t>5/1/2019</a:t>
             </a:fld>
             <a:endParaRPr lang="en-US"/>
           </a:p>
@@ -2381,7 +2382,7 @@
           <a:p>
             <a:fld id="{9D72338F-C393-4AAC-93F4-F06D2D57D182}" type="datetimeFigureOut">
               <a:rPr lang="en-US" smtClean="0"/>
-              <a:t>4/19/2019</a:t>
+              <a:t>5/1/2019</a:t>
             </a:fld>
             <a:endParaRPr lang="en-US"/>
           </a:p>
@@ -2669,7 +2670,7 @@
           <a:p>
             <a:fld id="{9D72338F-C393-4AAC-93F4-F06D2D57D182}" type="datetimeFigureOut">
               <a:rPr lang="en-US" smtClean="0"/>
-              <a:t>4/19/2019</a:t>
+              <a:t>5/1/2019</a:t>
             </a:fld>
             <a:endParaRPr lang="en-US"/>
           </a:p>
@@ -2910,7 +2911,7 @@
           <a:p>
             <a:fld id="{9D72338F-C393-4AAC-93F4-F06D2D57D182}" type="datetimeFigureOut">
               <a:rPr lang="en-US" smtClean="0"/>
-              <a:t>4/19/2019</a:t>
+              <a:t>5/1/2019</a:t>
             </a:fld>
             <a:endParaRPr lang="en-US"/>
           </a:p>
@@ -5154,6 +5155,1254 @@
           <a:chExt cx="0" cy="0"/>
         </a:xfrm>
       </p:grpSpPr>
+      <p:sp>
+        <p:nvSpPr>
+          <p:cNvPr id="8" name="Oval 7">
+            <a:extLst>
+              <a:ext uri="{FF2B5EF4-FFF2-40B4-BE49-F238E27FC236}">
+                <a16:creationId xmlns:a16="http://schemas.microsoft.com/office/drawing/2014/main" id="{8BC8E38B-3399-4C58-A2BD-373F33F2AD40}"/>
+              </a:ext>
+            </a:extLst>
+          </p:cNvPr>
+          <p:cNvSpPr>
+            <a:spLocks noChangeArrowheads="1"/>
+          </p:cNvSpPr>
+          <p:nvPr/>
+        </p:nvSpPr>
+        <p:spPr bwMode="auto">
+          <a:xfrm>
+            <a:off x="2901816" y="3297640"/>
+            <a:ext cx="684656" cy="733372"/>
+          </a:xfrm>
+          <a:prstGeom prst="ellipse">
+            <a:avLst/>
+          </a:prstGeom>
+          <a:solidFill>
+            <a:srgbClr val="FFFFFF"/>
+          </a:solidFill>
+          <a:ln w="9525">
+            <a:solidFill>
+              <a:srgbClr val="000000"/>
+            </a:solidFill>
+            <a:round/>
+            <a:headEnd/>
+            <a:tailEnd/>
+          </a:ln>
+        </p:spPr>
+        <p:txBody>
+          <a:bodyPr rot="0" vert="horz" wrap="square" lIns="91440" tIns="45720" rIns="91440" bIns="45720" anchor="ctr" anchorCtr="0" upright="1">
+            <a:noAutofit/>
+          </a:bodyPr>
+          <a:lstStyle/>
+          <a:p>
+            <a:pPr marL="0" marR="0" algn="ctr">
+              <a:spcBef>
+                <a:spcPts val="0"/>
+              </a:spcBef>
+              <a:spcAft>
+                <a:spcPts val="0"/>
+              </a:spcAft>
+            </a:pPr>
+            <a:r>
+              <a:rPr lang="en-US" sz="3600" dirty="0">
+                <a:effectLst/>
+                <a:latin typeface="Times New Roman" panose="02020603050405020304" pitchFamily="18" charset="0"/>
+                <a:ea typeface="Times New Roman" panose="02020603050405020304" pitchFamily="18" charset="0"/>
+              </a:rPr>
+              <a:t>A</a:t>
+            </a:r>
+            <a:endParaRPr lang="en-US" sz="2400" dirty="0">
+              <a:effectLst/>
+              <a:latin typeface="Times New Roman" panose="02020603050405020304" pitchFamily="18" charset="0"/>
+              <a:ea typeface="Times New Roman" panose="02020603050405020304" pitchFamily="18" charset="0"/>
+            </a:endParaRPr>
+          </a:p>
+        </p:txBody>
+      </p:sp>
+      <p:cxnSp>
+        <p:nvCxnSpPr>
+          <p:cNvPr id="14" name="AutoShape 125">
+            <a:extLst>
+              <a:ext uri="{FF2B5EF4-FFF2-40B4-BE49-F238E27FC236}">
+                <a16:creationId xmlns:a16="http://schemas.microsoft.com/office/drawing/2014/main" id="{8C7F8CDD-4A9D-4362-9A17-28C71FD00BE0}"/>
+              </a:ext>
+            </a:extLst>
+          </p:cNvPr>
+          <p:cNvCxnSpPr>
+            <a:cxnSpLocks noChangeShapeType="1"/>
+            <a:stCxn id="8" idx="6"/>
+            <a:endCxn id="20" idx="2"/>
+          </p:cNvCxnSpPr>
+          <p:nvPr/>
+        </p:nvCxnSpPr>
+        <p:spPr bwMode="auto">
+          <a:xfrm flipV="1">
+            <a:off x="3586472" y="2679339"/>
+            <a:ext cx="2057477" cy="984987"/>
+          </a:xfrm>
+          <a:prstGeom prst="straightConnector1">
+            <a:avLst/>
+          </a:prstGeom>
+          <a:noFill/>
+          <a:ln w="25400">
+            <a:solidFill>
+              <a:srgbClr val="000000"/>
+            </a:solidFill>
+            <a:round/>
+            <a:headEnd/>
+            <a:tailEnd type="triangle" w="lg" len="med"/>
+          </a:ln>
+          <a:extLst>
+            <a:ext uri="{909E8E84-426E-40DD-AFC4-6F175D3DCCD1}">
+              <a14:hiddenFill xmlns:a14="http://schemas.microsoft.com/office/drawing/2010/main">
+                <a:noFill/>
+              </a14:hiddenFill>
+            </a:ext>
+          </a:extLst>
+        </p:spPr>
+      </p:cxnSp>
+      <p:cxnSp>
+        <p:nvCxnSpPr>
+          <p:cNvPr id="15" name="AutoShape 126">
+            <a:extLst>
+              <a:ext uri="{FF2B5EF4-FFF2-40B4-BE49-F238E27FC236}">
+                <a16:creationId xmlns:a16="http://schemas.microsoft.com/office/drawing/2014/main" id="{B1665E80-66E2-4139-A251-843707AC1A9E}"/>
+              </a:ext>
+            </a:extLst>
+          </p:cNvPr>
+          <p:cNvCxnSpPr>
+            <a:cxnSpLocks noChangeShapeType="1"/>
+            <a:stCxn id="8" idx="6"/>
+            <a:endCxn id="21" idx="2"/>
+          </p:cNvCxnSpPr>
+          <p:nvPr/>
+        </p:nvCxnSpPr>
+        <p:spPr bwMode="auto">
+          <a:xfrm>
+            <a:off x="3586472" y="3664326"/>
+            <a:ext cx="2057477" cy="1003524"/>
+          </a:xfrm>
+          <a:prstGeom prst="straightConnector1">
+            <a:avLst/>
+          </a:prstGeom>
+          <a:noFill/>
+          <a:ln w="25400">
+            <a:solidFill>
+              <a:srgbClr val="000000"/>
+            </a:solidFill>
+            <a:round/>
+            <a:headEnd/>
+            <a:tailEnd type="triangle" w="lg" len="med"/>
+          </a:ln>
+          <a:extLst>
+            <a:ext uri="{909E8E84-426E-40DD-AFC4-6F175D3DCCD1}">
+              <a14:hiddenFill xmlns:a14="http://schemas.microsoft.com/office/drawing/2010/main">
+                <a:noFill/>
+              </a14:hiddenFill>
+            </a:ext>
+          </a:extLst>
+        </p:spPr>
+      </p:cxnSp>
+      <p:cxnSp>
+        <p:nvCxnSpPr>
+          <p:cNvPr id="17" name="AutoShape 128">
+            <a:extLst>
+              <a:ext uri="{FF2B5EF4-FFF2-40B4-BE49-F238E27FC236}">
+                <a16:creationId xmlns:a16="http://schemas.microsoft.com/office/drawing/2014/main" id="{FD482B41-A14C-4476-AA68-0914582A40AE}"/>
+              </a:ext>
+            </a:extLst>
+          </p:cNvPr>
+          <p:cNvCxnSpPr>
+            <a:cxnSpLocks noChangeShapeType="1"/>
+            <a:endCxn id="22" idx="2"/>
+          </p:cNvCxnSpPr>
+          <p:nvPr/>
+        </p:nvCxnSpPr>
+        <p:spPr bwMode="auto">
+          <a:xfrm>
+            <a:off x="6325096" y="2680132"/>
+            <a:ext cx="2280431" cy="984194"/>
+          </a:xfrm>
+          <a:prstGeom prst="straightConnector1">
+            <a:avLst/>
+          </a:prstGeom>
+          <a:noFill/>
+          <a:ln w="25400">
+            <a:solidFill>
+              <a:srgbClr val="000000"/>
+            </a:solidFill>
+            <a:round/>
+            <a:headEnd/>
+            <a:tailEnd type="triangle" w="lg" len="med"/>
+          </a:ln>
+          <a:extLst>
+            <a:ext uri="{909E8E84-426E-40DD-AFC4-6F175D3DCCD1}">
+              <a14:hiddenFill xmlns:a14="http://schemas.microsoft.com/office/drawing/2010/main">
+                <a:noFill/>
+              </a14:hiddenFill>
+            </a:ext>
+          </a:extLst>
+        </p:spPr>
+      </p:cxnSp>
+      <p:cxnSp>
+        <p:nvCxnSpPr>
+          <p:cNvPr id="18" name="AutoShape 129">
+            <a:extLst>
+              <a:ext uri="{FF2B5EF4-FFF2-40B4-BE49-F238E27FC236}">
+                <a16:creationId xmlns:a16="http://schemas.microsoft.com/office/drawing/2014/main" id="{0363479D-9ED3-44B4-A17D-F4B6D99640CD}"/>
+              </a:ext>
+            </a:extLst>
+          </p:cNvPr>
+          <p:cNvCxnSpPr>
+            <a:cxnSpLocks noChangeShapeType="1"/>
+            <a:endCxn id="22" idx="2"/>
+          </p:cNvCxnSpPr>
+          <p:nvPr/>
+        </p:nvCxnSpPr>
+        <p:spPr bwMode="auto">
+          <a:xfrm flipV="1">
+            <a:off x="6325096" y="3664326"/>
+            <a:ext cx="2280431" cy="970410"/>
+          </a:xfrm>
+          <a:prstGeom prst="straightConnector1">
+            <a:avLst/>
+          </a:prstGeom>
+          <a:noFill/>
+          <a:ln w="25400">
+            <a:solidFill>
+              <a:srgbClr val="000000"/>
+            </a:solidFill>
+            <a:round/>
+            <a:headEnd/>
+            <a:tailEnd type="triangle" w="lg" len="med"/>
+          </a:ln>
+          <a:extLst>
+            <a:ext uri="{909E8E84-426E-40DD-AFC4-6F175D3DCCD1}">
+              <a14:hiddenFill xmlns:a14="http://schemas.microsoft.com/office/drawing/2010/main">
+                <a:noFill/>
+              </a14:hiddenFill>
+            </a:ext>
+          </a:extLst>
+        </p:spPr>
+      </p:cxnSp>
+      <p:sp>
+        <p:nvSpPr>
+          <p:cNvPr id="20" name="Oval 19">
+            <a:extLst>
+              <a:ext uri="{FF2B5EF4-FFF2-40B4-BE49-F238E27FC236}">
+                <a16:creationId xmlns:a16="http://schemas.microsoft.com/office/drawing/2014/main" id="{40DD31A3-3872-4FE2-A1BF-B9027BAC8AEE}"/>
+              </a:ext>
+            </a:extLst>
+          </p:cNvPr>
+          <p:cNvSpPr>
+            <a:spLocks noChangeArrowheads="1"/>
+          </p:cNvSpPr>
+          <p:nvPr/>
+        </p:nvSpPr>
+        <p:spPr bwMode="auto">
+          <a:xfrm>
+            <a:off x="5643949" y="2312653"/>
+            <a:ext cx="684656" cy="733372"/>
+          </a:xfrm>
+          <a:prstGeom prst="ellipse">
+            <a:avLst/>
+          </a:prstGeom>
+          <a:solidFill>
+            <a:srgbClr val="FFFFFF"/>
+          </a:solidFill>
+          <a:ln w="9525">
+            <a:solidFill>
+              <a:srgbClr val="000000"/>
+            </a:solidFill>
+            <a:round/>
+            <a:headEnd/>
+            <a:tailEnd/>
+          </a:ln>
+        </p:spPr>
+        <p:txBody>
+          <a:bodyPr rot="0" vert="horz" wrap="square" lIns="91440" tIns="45720" rIns="91440" bIns="45720" anchor="ctr" anchorCtr="0" upright="1">
+            <a:noAutofit/>
+          </a:bodyPr>
+          <a:lstStyle/>
+          <a:p>
+            <a:pPr marL="0" marR="0" algn="ctr">
+              <a:spcBef>
+                <a:spcPts val="0"/>
+              </a:spcBef>
+              <a:spcAft>
+                <a:spcPts val="0"/>
+              </a:spcAft>
+            </a:pPr>
+            <a:r>
+              <a:rPr lang="en-US" sz="3600" dirty="0">
+                <a:effectLst/>
+                <a:latin typeface="Times New Roman" panose="02020603050405020304" pitchFamily="18" charset="0"/>
+                <a:ea typeface="Times New Roman" panose="02020603050405020304" pitchFamily="18" charset="0"/>
+              </a:rPr>
+              <a:t>B</a:t>
+            </a:r>
+            <a:endParaRPr lang="en-US" sz="2400" dirty="0">
+              <a:effectLst/>
+              <a:latin typeface="Times New Roman" panose="02020603050405020304" pitchFamily="18" charset="0"/>
+              <a:ea typeface="Times New Roman" panose="02020603050405020304" pitchFamily="18" charset="0"/>
+            </a:endParaRPr>
+          </a:p>
+        </p:txBody>
+      </p:sp>
+      <p:sp>
+        <p:nvSpPr>
+          <p:cNvPr id="21" name="Oval 20">
+            <a:extLst>
+              <a:ext uri="{FF2B5EF4-FFF2-40B4-BE49-F238E27FC236}">
+                <a16:creationId xmlns:a16="http://schemas.microsoft.com/office/drawing/2014/main" id="{BC538379-AFC6-4C8C-A8D3-F0C1252B11C0}"/>
+              </a:ext>
+            </a:extLst>
+          </p:cNvPr>
+          <p:cNvSpPr>
+            <a:spLocks noChangeArrowheads="1"/>
+          </p:cNvSpPr>
+          <p:nvPr/>
+        </p:nvSpPr>
+        <p:spPr bwMode="auto">
+          <a:xfrm>
+            <a:off x="5643949" y="4301164"/>
+            <a:ext cx="684656" cy="733372"/>
+          </a:xfrm>
+          <a:prstGeom prst="ellipse">
+            <a:avLst/>
+          </a:prstGeom>
+          <a:solidFill>
+            <a:srgbClr val="FFFFFF"/>
+          </a:solidFill>
+          <a:ln w="9525">
+            <a:solidFill>
+              <a:srgbClr val="000000"/>
+            </a:solidFill>
+            <a:round/>
+            <a:headEnd/>
+            <a:tailEnd/>
+          </a:ln>
+        </p:spPr>
+        <p:txBody>
+          <a:bodyPr rot="0" vert="horz" wrap="square" lIns="91440" tIns="45720" rIns="91440" bIns="45720" anchor="ctr" anchorCtr="0" upright="1">
+            <a:noAutofit/>
+          </a:bodyPr>
+          <a:lstStyle/>
+          <a:p>
+            <a:pPr marL="0" marR="0" algn="ctr">
+              <a:spcBef>
+                <a:spcPts val="0"/>
+              </a:spcBef>
+              <a:spcAft>
+                <a:spcPts val="0"/>
+              </a:spcAft>
+            </a:pPr>
+            <a:r>
+              <a:rPr lang="en-US" sz="3600" dirty="0">
+                <a:latin typeface="Times New Roman" panose="02020603050405020304" pitchFamily="18" charset="0"/>
+                <a:ea typeface="Times New Roman" panose="02020603050405020304" pitchFamily="18" charset="0"/>
+              </a:rPr>
+              <a:t>C</a:t>
+            </a:r>
+            <a:endParaRPr lang="en-US" sz="2400" dirty="0">
+              <a:effectLst/>
+              <a:latin typeface="Times New Roman" panose="02020603050405020304" pitchFamily="18" charset="0"/>
+              <a:ea typeface="Times New Roman" panose="02020603050405020304" pitchFamily="18" charset="0"/>
+            </a:endParaRPr>
+          </a:p>
+        </p:txBody>
+      </p:sp>
+      <p:sp>
+        <p:nvSpPr>
+          <p:cNvPr id="22" name="Oval 21">
+            <a:extLst>
+              <a:ext uri="{FF2B5EF4-FFF2-40B4-BE49-F238E27FC236}">
+                <a16:creationId xmlns:a16="http://schemas.microsoft.com/office/drawing/2014/main" id="{BA809F98-005C-4C26-828A-0170A10A6994}"/>
+              </a:ext>
+            </a:extLst>
+          </p:cNvPr>
+          <p:cNvSpPr>
+            <a:spLocks noChangeArrowheads="1"/>
+          </p:cNvSpPr>
+          <p:nvPr/>
+        </p:nvSpPr>
+        <p:spPr bwMode="auto">
+          <a:xfrm>
+            <a:off x="8605527" y="3297640"/>
+            <a:ext cx="684656" cy="733372"/>
+          </a:xfrm>
+          <a:prstGeom prst="ellipse">
+            <a:avLst/>
+          </a:prstGeom>
+          <a:solidFill>
+            <a:srgbClr val="FFFFFF"/>
+          </a:solidFill>
+          <a:ln w="9525">
+            <a:solidFill>
+              <a:srgbClr val="000000"/>
+            </a:solidFill>
+            <a:round/>
+            <a:headEnd/>
+            <a:tailEnd/>
+          </a:ln>
+        </p:spPr>
+        <p:txBody>
+          <a:bodyPr rot="0" vert="horz" wrap="square" lIns="91440" tIns="45720" rIns="91440" bIns="45720" anchor="ctr" anchorCtr="0" upright="1">
+            <a:noAutofit/>
+          </a:bodyPr>
+          <a:lstStyle/>
+          <a:p>
+            <a:pPr marL="0" marR="0" algn="ctr">
+              <a:spcBef>
+                <a:spcPts val="0"/>
+              </a:spcBef>
+              <a:spcAft>
+                <a:spcPts val="0"/>
+              </a:spcAft>
+            </a:pPr>
+            <a:r>
+              <a:rPr lang="en-US" sz="3600" dirty="0">
+                <a:effectLst/>
+                <a:latin typeface="Times New Roman" panose="02020603050405020304" pitchFamily="18" charset="0"/>
+                <a:ea typeface="Times New Roman" panose="02020603050405020304" pitchFamily="18" charset="0"/>
+              </a:rPr>
+              <a:t>D</a:t>
+            </a:r>
+            <a:endParaRPr lang="en-US" sz="2400" dirty="0">
+              <a:effectLst/>
+              <a:latin typeface="Times New Roman" panose="02020603050405020304" pitchFamily="18" charset="0"/>
+              <a:ea typeface="Times New Roman" panose="02020603050405020304" pitchFamily="18" charset="0"/>
+            </a:endParaRPr>
+          </a:p>
+        </p:txBody>
+      </p:sp>
+      <p:sp>
+        <p:nvSpPr>
+          <p:cNvPr id="30" name="Isosceles Triangle 29">
+            <a:extLst>
+              <a:ext uri="{FF2B5EF4-FFF2-40B4-BE49-F238E27FC236}">
+                <a16:creationId xmlns:a16="http://schemas.microsoft.com/office/drawing/2014/main" id="{EE05BF9A-0C0A-4BF4-99DB-69EF3F44D81F}"/>
+              </a:ext>
+            </a:extLst>
+          </p:cNvPr>
+          <p:cNvSpPr/>
+          <p:nvPr/>
+        </p:nvSpPr>
+        <p:spPr>
+          <a:xfrm rot="5400000">
+            <a:off x="10216051" y="3427685"/>
+            <a:ext cx="338819" cy="473282"/>
+          </a:xfrm>
+          <a:prstGeom prst="triangle">
+            <a:avLst/>
+          </a:prstGeom>
+        </p:spPr>
+        <p:style>
+          <a:lnRef idx="2">
+            <a:schemeClr val="accent1">
+              <a:shade val="50000"/>
+            </a:schemeClr>
+          </a:lnRef>
+          <a:fillRef idx="1">
+            <a:schemeClr val="accent1"/>
+          </a:fillRef>
+          <a:effectRef idx="0">
+            <a:schemeClr val="accent1"/>
+          </a:effectRef>
+          <a:fontRef idx="minor">
+            <a:schemeClr val="lt1"/>
+          </a:fontRef>
+        </p:style>
+        <p:txBody>
+          <a:bodyPr rtlCol="0" anchor="ctr"/>
+          <a:lstStyle/>
+          <a:p>
+            <a:pPr algn="ctr"/>
+            <a:endParaRPr lang="en-US"/>
+          </a:p>
+        </p:txBody>
+      </p:sp>
+      <p:cxnSp>
+        <p:nvCxnSpPr>
+          <p:cNvPr id="37" name="AutoShape 127">
+            <a:extLst>
+              <a:ext uri="{FF2B5EF4-FFF2-40B4-BE49-F238E27FC236}">
+                <a16:creationId xmlns:a16="http://schemas.microsoft.com/office/drawing/2014/main" id="{AC7FC840-D1E9-48EF-BC50-64DFFF91E2FF}"/>
+              </a:ext>
+            </a:extLst>
+          </p:cNvPr>
+          <p:cNvCxnSpPr>
+            <a:cxnSpLocks noChangeShapeType="1"/>
+            <a:stCxn id="22" idx="6"/>
+            <a:endCxn id="30" idx="3"/>
+          </p:cNvCxnSpPr>
+          <p:nvPr/>
+        </p:nvCxnSpPr>
+        <p:spPr bwMode="auto">
+          <a:xfrm>
+            <a:off x="9290183" y="3664326"/>
+            <a:ext cx="858637" cy="1"/>
+          </a:xfrm>
+          <a:prstGeom prst="straightConnector1">
+            <a:avLst/>
+          </a:prstGeom>
+          <a:noFill/>
+          <a:ln w="25400">
+            <a:solidFill>
+              <a:srgbClr val="000000"/>
+            </a:solidFill>
+            <a:round/>
+            <a:headEnd/>
+            <a:tailEnd type="triangle" w="lg" len="med"/>
+          </a:ln>
+          <a:extLst>
+            <a:ext uri="{909E8E84-426E-40DD-AFC4-6F175D3DCCD1}">
+              <a14:hiddenFill xmlns:a14="http://schemas.microsoft.com/office/drawing/2010/main">
+                <a:noFill/>
+              </a14:hiddenFill>
+            </a:ext>
+          </a:extLst>
+        </p:spPr>
+      </p:cxnSp>
+      <p:sp>
+        <p:nvSpPr>
+          <p:cNvPr id="54" name="Isosceles Triangle 53">
+            <a:extLst>
+              <a:ext uri="{FF2B5EF4-FFF2-40B4-BE49-F238E27FC236}">
+                <a16:creationId xmlns:a16="http://schemas.microsoft.com/office/drawing/2014/main" id="{BC4F0134-E0EF-4708-95C1-186DC0DD477D}"/>
+              </a:ext>
+            </a:extLst>
+          </p:cNvPr>
+          <p:cNvSpPr/>
+          <p:nvPr/>
+        </p:nvSpPr>
+        <p:spPr>
+          <a:xfrm>
+            <a:off x="1651097" y="1696612"/>
+            <a:ext cx="338819" cy="473282"/>
+          </a:xfrm>
+          <a:prstGeom prst="triangle">
+            <a:avLst/>
+          </a:prstGeom>
+        </p:spPr>
+        <p:style>
+          <a:lnRef idx="2">
+            <a:schemeClr val="accent1">
+              <a:shade val="50000"/>
+            </a:schemeClr>
+          </a:lnRef>
+          <a:fillRef idx="1">
+            <a:schemeClr val="accent1"/>
+          </a:fillRef>
+          <a:effectRef idx="0">
+            <a:schemeClr val="accent1"/>
+          </a:effectRef>
+          <a:fontRef idx="minor">
+            <a:schemeClr val="lt1"/>
+          </a:fontRef>
+        </p:style>
+        <p:txBody>
+          <a:bodyPr rtlCol="0" anchor="ctr"/>
+          <a:lstStyle/>
+          <a:p>
+            <a:pPr algn="ctr"/>
+            <a:endParaRPr lang="en-US"/>
+          </a:p>
+        </p:txBody>
+      </p:sp>
+      <p:sp>
+        <p:nvSpPr>
+          <p:cNvPr id="55" name="TextBox 54">
+            <a:extLst>
+              <a:ext uri="{FF2B5EF4-FFF2-40B4-BE49-F238E27FC236}">
+                <a16:creationId xmlns:a16="http://schemas.microsoft.com/office/drawing/2014/main" id="{B34468A1-1368-4641-9821-D0837AC05EAB}"/>
+              </a:ext>
+            </a:extLst>
+          </p:cNvPr>
+          <p:cNvSpPr txBox="1"/>
+          <p:nvPr/>
+        </p:nvSpPr>
+        <p:spPr>
+          <a:xfrm>
+            <a:off x="4597572" y="3061723"/>
+            <a:ext cx="868887" cy="369332"/>
+          </a:xfrm>
+          <a:prstGeom prst="rect">
+            <a:avLst/>
+          </a:prstGeom>
+          <a:noFill/>
+        </p:spPr>
+        <p:txBody>
+          <a:bodyPr wrap="square" rtlCol="0">
+            <a:spAutoFit/>
+          </a:bodyPr>
+          <a:lstStyle/>
+          <a:p>
+            <a:r>
+              <a:rPr lang="en-US" dirty="0"/>
+              <a:t>60 ms</a:t>
+            </a:r>
+          </a:p>
+        </p:txBody>
+      </p:sp>
+      <p:sp>
+        <p:nvSpPr>
+          <p:cNvPr id="56" name="TextBox 55">
+            <a:extLst>
+              <a:ext uri="{FF2B5EF4-FFF2-40B4-BE49-F238E27FC236}">
+                <a16:creationId xmlns:a16="http://schemas.microsoft.com/office/drawing/2014/main" id="{890DCAEC-E756-4717-A56E-F727696677F0}"/>
+              </a:ext>
+            </a:extLst>
+          </p:cNvPr>
+          <p:cNvSpPr txBox="1"/>
+          <p:nvPr/>
+        </p:nvSpPr>
+        <p:spPr>
+          <a:xfrm>
+            <a:off x="4597573" y="3853662"/>
+            <a:ext cx="745952" cy="369332"/>
+          </a:xfrm>
+          <a:prstGeom prst="rect">
+            <a:avLst/>
+          </a:prstGeom>
+          <a:noFill/>
+        </p:spPr>
+        <p:txBody>
+          <a:bodyPr wrap="square" rtlCol="0">
+            <a:spAutoFit/>
+          </a:bodyPr>
+          <a:lstStyle/>
+          <a:p>
+            <a:r>
+              <a:rPr lang="en-US" dirty="0"/>
+              <a:t>50 ms</a:t>
+            </a:r>
+          </a:p>
+        </p:txBody>
+      </p:sp>
+      <p:sp>
+        <p:nvSpPr>
+          <p:cNvPr id="59" name="TextBox 58">
+            <a:extLst>
+              <a:ext uri="{FF2B5EF4-FFF2-40B4-BE49-F238E27FC236}">
+                <a16:creationId xmlns:a16="http://schemas.microsoft.com/office/drawing/2014/main" id="{553C2166-CE42-4DA8-964B-C69C585B532E}"/>
+              </a:ext>
+            </a:extLst>
+          </p:cNvPr>
+          <p:cNvSpPr txBox="1"/>
+          <p:nvPr/>
+        </p:nvSpPr>
+        <p:spPr>
+          <a:xfrm>
+            <a:off x="7419612" y="2813092"/>
+            <a:ext cx="745952" cy="369332"/>
+          </a:xfrm>
+          <a:prstGeom prst="rect">
+            <a:avLst/>
+          </a:prstGeom>
+          <a:noFill/>
+        </p:spPr>
+        <p:txBody>
+          <a:bodyPr wrap="square" rtlCol="0">
+            <a:spAutoFit/>
+          </a:bodyPr>
+          <a:lstStyle/>
+          <a:p>
+            <a:r>
+              <a:rPr lang="en-US" dirty="0"/>
+              <a:t>30 ms</a:t>
+            </a:r>
+          </a:p>
+        </p:txBody>
+      </p:sp>
+      <p:sp>
+        <p:nvSpPr>
+          <p:cNvPr id="60" name="TextBox 59">
+            <a:extLst>
+              <a:ext uri="{FF2B5EF4-FFF2-40B4-BE49-F238E27FC236}">
+                <a16:creationId xmlns:a16="http://schemas.microsoft.com/office/drawing/2014/main" id="{3D4C8347-CC09-4114-8AE9-BB21A0CDD731}"/>
+              </a:ext>
+            </a:extLst>
+          </p:cNvPr>
+          <p:cNvSpPr txBox="1"/>
+          <p:nvPr/>
+        </p:nvSpPr>
+        <p:spPr>
+          <a:xfrm>
+            <a:off x="7419612" y="4038328"/>
+            <a:ext cx="745952" cy="369332"/>
+          </a:xfrm>
+          <a:prstGeom prst="rect">
+            <a:avLst/>
+          </a:prstGeom>
+          <a:noFill/>
+        </p:spPr>
+        <p:txBody>
+          <a:bodyPr wrap="square" rtlCol="0">
+            <a:spAutoFit/>
+          </a:bodyPr>
+          <a:lstStyle/>
+          <a:p>
+            <a:r>
+              <a:rPr lang="en-US" dirty="0"/>
+              <a:t>20 ms</a:t>
+            </a:r>
+          </a:p>
+        </p:txBody>
+      </p:sp>
+      <p:sp>
+        <p:nvSpPr>
+          <p:cNvPr id="66" name="TextBox 65">
+            <a:extLst>
+              <a:ext uri="{FF2B5EF4-FFF2-40B4-BE49-F238E27FC236}">
+                <a16:creationId xmlns:a16="http://schemas.microsoft.com/office/drawing/2014/main" id="{AD5DFE2C-86ED-4DBE-84FA-5B7E6F85B865}"/>
+              </a:ext>
+            </a:extLst>
+          </p:cNvPr>
+          <p:cNvSpPr txBox="1"/>
+          <p:nvPr/>
+        </p:nvSpPr>
+        <p:spPr>
+          <a:xfrm>
+            <a:off x="1996184" y="1774389"/>
+            <a:ext cx="1300594" cy="369332"/>
+          </a:xfrm>
+          <a:prstGeom prst="rect">
+            <a:avLst/>
+          </a:prstGeom>
+          <a:noFill/>
+        </p:spPr>
+        <p:txBody>
+          <a:bodyPr wrap="square" rtlCol="0">
+            <a:spAutoFit/>
+          </a:bodyPr>
+          <a:lstStyle/>
+          <a:p>
+            <a:r>
+              <a:rPr lang="en-US" dirty="0"/>
+              <a:t>- Sink Node</a:t>
+            </a:r>
+          </a:p>
+        </p:txBody>
+      </p:sp>
+      <p:sp>
+        <p:nvSpPr>
+          <p:cNvPr id="68" name="Rectangle 67">
+            <a:extLst>
+              <a:ext uri="{FF2B5EF4-FFF2-40B4-BE49-F238E27FC236}">
+                <a16:creationId xmlns:a16="http://schemas.microsoft.com/office/drawing/2014/main" id="{21BD81D8-702F-43A8-A916-7D454945F6F6}"/>
+              </a:ext>
+            </a:extLst>
+          </p:cNvPr>
+          <p:cNvSpPr/>
+          <p:nvPr/>
+        </p:nvSpPr>
+        <p:spPr>
+          <a:xfrm>
+            <a:off x="1553967" y="1592369"/>
+            <a:ext cx="2052028" cy="1303548"/>
+          </a:xfrm>
+          <a:prstGeom prst="rect">
+            <a:avLst/>
+          </a:prstGeom>
+          <a:noFill/>
+          <a:ln w="28575">
+            <a:solidFill>
+              <a:schemeClr val="tx1"/>
+            </a:solidFill>
+          </a:ln>
+        </p:spPr>
+        <p:style>
+          <a:lnRef idx="2">
+            <a:schemeClr val="accent1">
+              <a:shade val="50000"/>
+            </a:schemeClr>
+          </a:lnRef>
+          <a:fillRef idx="1">
+            <a:schemeClr val="accent1"/>
+          </a:fillRef>
+          <a:effectRef idx="0">
+            <a:schemeClr val="accent1"/>
+          </a:effectRef>
+          <a:fontRef idx="minor">
+            <a:schemeClr val="lt1"/>
+          </a:fontRef>
+        </p:style>
+        <p:txBody>
+          <a:bodyPr rtlCol="0" anchor="ctr"/>
+          <a:lstStyle/>
+          <a:p>
+            <a:pPr algn="ctr"/>
+            <a:endParaRPr lang="en-US"/>
+          </a:p>
+        </p:txBody>
+      </p:sp>
+      <p:cxnSp>
+        <p:nvCxnSpPr>
+          <p:cNvPr id="70" name="AutoShape 126">
+            <a:extLst>
+              <a:ext uri="{FF2B5EF4-FFF2-40B4-BE49-F238E27FC236}">
+                <a16:creationId xmlns:a16="http://schemas.microsoft.com/office/drawing/2014/main" id="{B696997A-A73D-4908-A61B-94EF7BA72A42}"/>
+              </a:ext>
+            </a:extLst>
+          </p:cNvPr>
+          <p:cNvCxnSpPr>
+            <a:cxnSpLocks noChangeShapeType="1"/>
+            <a:endCxn id="8" idx="2"/>
+          </p:cNvCxnSpPr>
+          <p:nvPr/>
+        </p:nvCxnSpPr>
+        <p:spPr bwMode="auto">
+          <a:xfrm>
+            <a:off x="2050429" y="3664326"/>
+            <a:ext cx="851387" cy="0"/>
+          </a:xfrm>
+          <a:prstGeom prst="straightConnector1">
+            <a:avLst/>
+          </a:prstGeom>
+          <a:noFill/>
+          <a:ln w="25400">
+            <a:solidFill>
+              <a:srgbClr val="000000"/>
+            </a:solidFill>
+            <a:round/>
+            <a:headEnd/>
+            <a:tailEnd type="triangle" w="lg" len="med"/>
+          </a:ln>
+          <a:extLst>
+            <a:ext uri="{909E8E84-426E-40DD-AFC4-6F175D3DCCD1}">
+              <a14:hiddenFill xmlns:a14="http://schemas.microsoft.com/office/drawing/2010/main">
+                <a:noFill/>
+              </a14:hiddenFill>
+            </a:ext>
+          </a:extLst>
+        </p:spPr>
+      </p:cxnSp>
+      <p:sp>
+        <p:nvSpPr>
+          <p:cNvPr id="73" name="TextBox 72">
+            <a:extLst>
+              <a:ext uri="{FF2B5EF4-FFF2-40B4-BE49-F238E27FC236}">
+                <a16:creationId xmlns:a16="http://schemas.microsoft.com/office/drawing/2014/main" id="{B9F08D85-681A-4B4A-A7E1-720A57C62B9B}"/>
+              </a:ext>
+            </a:extLst>
+          </p:cNvPr>
+          <p:cNvSpPr txBox="1"/>
+          <p:nvPr/>
+        </p:nvSpPr>
+        <p:spPr>
+          <a:xfrm>
+            <a:off x="1446452" y="3885665"/>
+            <a:ext cx="2400058" cy="830997"/>
+          </a:xfrm>
+          <a:prstGeom prst="rect">
+            <a:avLst/>
+          </a:prstGeom>
+          <a:noFill/>
+        </p:spPr>
+        <p:txBody>
+          <a:bodyPr wrap="square" rtlCol="0">
+            <a:spAutoFit/>
+          </a:bodyPr>
+          <a:lstStyle/>
+          <a:p>
+            <a:r>
+              <a:rPr lang="en-US" sz="2400" dirty="0"/>
+              <a:t>msg =“</a:t>
+            </a:r>
+            <a:r>
+              <a:rPr lang="en-US" sz="2400" dirty="0" err="1"/>
+              <a:t>CyberAnimal</a:t>
+            </a:r>
+            <a:r>
+              <a:rPr lang="en-US" sz="2400" dirty="0"/>
+              <a:t>”</a:t>
+            </a:r>
+          </a:p>
+        </p:txBody>
+      </p:sp>
+      <p:sp>
+        <p:nvSpPr>
+          <p:cNvPr id="74" name="Oval 73">
+            <a:extLst>
+              <a:ext uri="{FF2B5EF4-FFF2-40B4-BE49-F238E27FC236}">
+                <a16:creationId xmlns:a16="http://schemas.microsoft.com/office/drawing/2014/main" id="{8CF18B07-343E-4C76-AF49-313FFD92D228}"/>
+              </a:ext>
+            </a:extLst>
+          </p:cNvPr>
+          <p:cNvSpPr/>
+          <p:nvPr/>
+        </p:nvSpPr>
+        <p:spPr>
+          <a:xfrm>
+            <a:off x="1553967" y="3451996"/>
+            <a:ext cx="408152" cy="424660"/>
+          </a:xfrm>
+          <a:prstGeom prst="ellipse">
+            <a:avLst/>
+          </a:prstGeom>
+          <a:solidFill>
+            <a:schemeClr val="tx1"/>
+          </a:solidFill>
+        </p:spPr>
+        <p:style>
+          <a:lnRef idx="2">
+            <a:schemeClr val="accent1">
+              <a:shade val="50000"/>
+            </a:schemeClr>
+          </a:lnRef>
+          <a:fillRef idx="1">
+            <a:schemeClr val="accent1"/>
+          </a:fillRef>
+          <a:effectRef idx="0">
+            <a:schemeClr val="accent1"/>
+          </a:effectRef>
+          <a:fontRef idx="minor">
+            <a:schemeClr val="lt1"/>
+          </a:fontRef>
+        </p:style>
+        <p:txBody>
+          <a:bodyPr rtlCol="0" anchor="ctr"/>
+          <a:lstStyle/>
+          <a:p>
+            <a:pPr algn="ctr"/>
+            <a:endParaRPr lang="en-US"/>
+          </a:p>
+        </p:txBody>
+      </p:sp>
+      <p:sp>
+        <p:nvSpPr>
+          <p:cNvPr id="75" name="Oval 74">
+            <a:extLst>
+              <a:ext uri="{FF2B5EF4-FFF2-40B4-BE49-F238E27FC236}">
+                <a16:creationId xmlns:a16="http://schemas.microsoft.com/office/drawing/2014/main" id="{10FAA9E8-8AC9-4DDB-948D-55A0C81C0852}"/>
+              </a:ext>
+            </a:extLst>
+          </p:cNvPr>
+          <p:cNvSpPr/>
+          <p:nvPr/>
+        </p:nvSpPr>
+        <p:spPr>
+          <a:xfrm>
+            <a:off x="1616430" y="2346202"/>
+            <a:ext cx="408152" cy="424660"/>
+          </a:xfrm>
+          <a:prstGeom prst="ellipse">
+            <a:avLst/>
+          </a:prstGeom>
+          <a:solidFill>
+            <a:schemeClr val="tx1"/>
+          </a:solidFill>
+        </p:spPr>
+        <p:style>
+          <a:lnRef idx="2">
+            <a:schemeClr val="accent1">
+              <a:shade val="50000"/>
+            </a:schemeClr>
+          </a:lnRef>
+          <a:fillRef idx="1">
+            <a:schemeClr val="accent1"/>
+          </a:fillRef>
+          <a:effectRef idx="0">
+            <a:schemeClr val="accent1"/>
+          </a:effectRef>
+          <a:fontRef idx="minor">
+            <a:schemeClr val="lt1"/>
+          </a:fontRef>
+        </p:style>
+        <p:txBody>
+          <a:bodyPr rtlCol="0" anchor="ctr"/>
+          <a:lstStyle/>
+          <a:p>
+            <a:pPr algn="ctr"/>
+            <a:endParaRPr lang="en-US"/>
+          </a:p>
+        </p:txBody>
+      </p:sp>
+      <p:sp>
+        <p:nvSpPr>
+          <p:cNvPr id="76" name="TextBox 75">
+            <a:extLst>
+              <a:ext uri="{FF2B5EF4-FFF2-40B4-BE49-F238E27FC236}">
+                <a16:creationId xmlns:a16="http://schemas.microsoft.com/office/drawing/2014/main" id="{29E12D23-107F-4165-8065-886A73EF9A13}"/>
+              </a:ext>
+            </a:extLst>
+          </p:cNvPr>
+          <p:cNvSpPr txBox="1"/>
+          <p:nvPr/>
+        </p:nvSpPr>
+        <p:spPr>
+          <a:xfrm>
+            <a:off x="2020411" y="2342065"/>
+            <a:ext cx="1550824" cy="369332"/>
+          </a:xfrm>
+          <a:prstGeom prst="rect">
+            <a:avLst/>
+          </a:prstGeom>
+          <a:noFill/>
+        </p:spPr>
+        <p:txBody>
+          <a:bodyPr wrap="square" rtlCol="0">
+            <a:spAutoFit/>
+          </a:bodyPr>
+          <a:lstStyle/>
+          <a:p>
+            <a:r>
+              <a:rPr lang="en-US" dirty="0"/>
+              <a:t>- Source Node</a:t>
+            </a:r>
+          </a:p>
+        </p:txBody>
+      </p:sp>
+      <p:sp>
+        <p:nvSpPr>
+          <p:cNvPr id="43" name="TextBox 42">
+            <a:extLst>
+              <a:ext uri="{FF2B5EF4-FFF2-40B4-BE49-F238E27FC236}">
+                <a16:creationId xmlns:a16="http://schemas.microsoft.com/office/drawing/2014/main" id="{D3D95BAC-33BF-4B9C-AF0D-B396AD17A4FC}"/>
+              </a:ext>
+            </a:extLst>
+          </p:cNvPr>
+          <p:cNvSpPr txBox="1"/>
+          <p:nvPr/>
+        </p:nvSpPr>
+        <p:spPr>
+          <a:xfrm rot="20012444">
+            <a:off x="3472150" y="2666592"/>
+            <a:ext cx="2400058" cy="461665"/>
+          </a:xfrm>
+          <a:prstGeom prst="rect">
+            <a:avLst/>
+          </a:prstGeom>
+          <a:noFill/>
+        </p:spPr>
+        <p:txBody>
+          <a:bodyPr wrap="square" rtlCol="0">
+            <a:spAutoFit/>
+          </a:bodyPr>
+          <a:lstStyle/>
+          <a:p>
+            <a:pPr algn="ctr"/>
+            <a:r>
+              <a:rPr lang="en-US" sz="2400" dirty="0"/>
+              <a:t>“</a:t>
+            </a:r>
+            <a:r>
+              <a:rPr lang="en-US" sz="2400" dirty="0" err="1"/>
+              <a:t>Cbrnml</a:t>
+            </a:r>
+            <a:r>
+              <a:rPr lang="en-US" sz="2400" dirty="0"/>
+              <a:t>”</a:t>
+            </a:r>
+          </a:p>
+        </p:txBody>
+      </p:sp>
+      <p:sp>
+        <p:nvSpPr>
+          <p:cNvPr id="46" name="TextBox 45">
+            <a:extLst>
+              <a:ext uri="{FF2B5EF4-FFF2-40B4-BE49-F238E27FC236}">
+                <a16:creationId xmlns:a16="http://schemas.microsoft.com/office/drawing/2014/main" id="{0561B3BF-7B30-4745-8982-34A3E8F5AD09}"/>
+              </a:ext>
+            </a:extLst>
+          </p:cNvPr>
+          <p:cNvSpPr txBox="1"/>
+          <p:nvPr/>
+        </p:nvSpPr>
+        <p:spPr>
+          <a:xfrm rot="1587887">
+            <a:off x="3326140" y="4124145"/>
+            <a:ext cx="2400058" cy="461665"/>
+          </a:xfrm>
+          <a:prstGeom prst="rect">
+            <a:avLst/>
+          </a:prstGeom>
+          <a:noFill/>
+        </p:spPr>
+        <p:txBody>
+          <a:bodyPr wrap="square" rtlCol="0">
+            <a:spAutoFit/>
+          </a:bodyPr>
+          <a:lstStyle/>
+          <a:p>
+            <a:pPr algn="ctr"/>
+            <a:r>
+              <a:rPr lang="en-US" sz="2400" dirty="0"/>
+              <a:t>“</a:t>
+            </a:r>
+            <a:r>
+              <a:rPr lang="en-US" sz="2400" dirty="0" err="1"/>
+              <a:t>yeAia</a:t>
+            </a:r>
+            <a:r>
+              <a:rPr lang="en-US" sz="2400" dirty="0"/>
+              <a:t>”</a:t>
+            </a:r>
+          </a:p>
+        </p:txBody>
+      </p:sp>
+      <p:sp>
+        <p:nvSpPr>
+          <p:cNvPr id="47" name="TextBox 46">
+            <a:extLst>
+              <a:ext uri="{FF2B5EF4-FFF2-40B4-BE49-F238E27FC236}">
+                <a16:creationId xmlns:a16="http://schemas.microsoft.com/office/drawing/2014/main" id="{51A1C145-5D5C-47F8-8530-9A28F24C4909}"/>
+              </a:ext>
+            </a:extLst>
+          </p:cNvPr>
+          <p:cNvSpPr txBox="1"/>
+          <p:nvPr/>
+        </p:nvSpPr>
+        <p:spPr>
+          <a:xfrm rot="20312113">
+            <a:off x="6092002" y="3800180"/>
+            <a:ext cx="2400058" cy="461665"/>
+          </a:xfrm>
+          <a:prstGeom prst="rect">
+            <a:avLst/>
+          </a:prstGeom>
+          <a:noFill/>
+        </p:spPr>
+        <p:txBody>
+          <a:bodyPr wrap="square" rtlCol="0">
+            <a:spAutoFit/>
+          </a:bodyPr>
+          <a:lstStyle/>
+          <a:p>
+            <a:pPr algn="ctr"/>
+            <a:r>
+              <a:rPr lang="en-US" sz="2400" dirty="0"/>
+              <a:t>“</a:t>
+            </a:r>
+            <a:r>
+              <a:rPr lang="en-US" sz="2400" dirty="0" err="1"/>
+              <a:t>aiAey</a:t>
+            </a:r>
+            <a:r>
+              <a:rPr lang="en-US" sz="2400" dirty="0"/>
+              <a:t>”</a:t>
+            </a:r>
+          </a:p>
+        </p:txBody>
+      </p:sp>
+      <p:sp>
+        <p:nvSpPr>
+          <p:cNvPr id="49" name="TextBox 48">
+            <a:extLst>
+              <a:ext uri="{FF2B5EF4-FFF2-40B4-BE49-F238E27FC236}">
+                <a16:creationId xmlns:a16="http://schemas.microsoft.com/office/drawing/2014/main" id="{85D772E2-898B-48AD-B946-A75AEA235F0F}"/>
+              </a:ext>
+            </a:extLst>
+          </p:cNvPr>
+          <p:cNvSpPr txBox="1"/>
+          <p:nvPr/>
+        </p:nvSpPr>
+        <p:spPr>
+          <a:xfrm rot="1427154">
+            <a:off x="6154235" y="3098607"/>
+            <a:ext cx="2400058" cy="461665"/>
+          </a:xfrm>
+          <a:prstGeom prst="rect">
+            <a:avLst/>
+          </a:prstGeom>
+          <a:noFill/>
+        </p:spPr>
+        <p:txBody>
+          <a:bodyPr wrap="square" rtlCol="0">
+            <a:spAutoFit/>
+          </a:bodyPr>
+          <a:lstStyle/>
+          <a:p>
+            <a:pPr algn="ctr"/>
+            <a:r>
+              <a:rPr lang="en-US" sz="2400" dirty="0"/>
+              <a:t>“</a:t>
+            </a:r>
+            <a:r>
+              <a:rPr lang="en-US" sz="2400" dirty="0" err="1"/>
+              <a:t>lmnrbC</a:t>
+            </a:r>
+            <a:r>
+              <a:rPr lang="en-US" sz="2400" dirty="0"/>
+              <a:t>”</a:t>
+            </a:r>
+          </a:p>
+        </p:txBody>
+      </p:sp>
+      <p:sp>
+        <p:nvSpPr>
+          <p:cNvPr id="50" name="TextBox 49">
+            <a:extLst>
+              <a:ext uri="{FF2B5EF4-FFF2-40B4-BE49-F238E27FC236}">
+                <a16:creationId xmlns:a16="http://schemas.microsoft.com/office/drawing/2014/main" id="{78377246-65FD-4D24-BA5E-0952D872627C}"/>
+              </a:ext>
+            </a:extLst>
+          </p:cNvPr>
+          <p:cNvSpPr txBox="1"/>
+          <p:nvPr/>
+        </p:nvSpPr>
+        <p:spPr>
+          <a:xfrm>
+            <a:off x="9290183" y="3661232"/>
+            <a:ext cx="2400058" cy="830997"/>
+          </a:xfrm>
+          <a:prstGeom prst="rect">
+            <a:avLst/>
+          </a:prstGeom>
+          <a:noFill/>
+        </p:spPr>
+        <p:txBody>
+          <a:bodyPr wrap="square" rtlCol="0">
+            <a:spAutoFit/>
+          </a:bodyPr>
+          <a:lstStyle/>
+          <a:p>
+            <a:r>
+              <a:rPr lang="en-US" sz="2400" dirty="0"/>
+              <a:t>msg =“</a:t>
+            </a:r>
+            <a:r>
+              <a:rPr lang="en-US" sz="2400" dirty="0" err="1"/>
+              <a:t>CyberAnimal</a:t>
+            </a:r>
+            <a:r>
+              <a:rPr lang="en-US" sz="2400" dirty="0"/>
+              <a:t>”</a:t>
+            </a:r>
+          </a:p>
+        </p:txBody>
+      </p:sp>
+    </p:spTree>
+    <p:extLst>
+      <p:ext uri="{BB962C8B-B14F-4D97-AF65-F5344CB8AC3E}">
+        <p14:creationId xmlns:p14="http://schemas.microsoft.com/office/powerpoint/2010/main" val="1571093026"/>
+      </p:ext>
+    </p:extLst>
+  </p:cSld>
+  <p:clrMapOvr>
+    <a:masterClrMapping/>
+  </p:clrMapOvr>
+</p:sld>
+</file>
+
+<file path=ppt/slides/slide3.xml><?xml version="1.0" encoding="utf-8"?>
+<p:sld xmlns:a="http://schemas.openxmlformats.org/drawingml/2006/main" xmlns:r="http://schemas.openxmlformats.org/officeDocument/2006/relationships" xmlns:p="http://schemas.openxmlformats.org/presentationml/2006/main">
+  <p:cSld>
+    <p:spTree>
+      <p:nvGrpSpPr>
+        <p:cNvPr id="1" name=""/>
+        <p:cNvGrpSpPr/>
+        <p:nvPr/>
+      </p:nvGrpSpPr>
+      <p:grpSpPr>
+        <a:xfrm>
+          <a:off x="0" y="0"/>
+          <a:ext cx="0" cy="0"/>
+          <a:chOff x="0" y="0"/>
+          <a:chExt cx="0" cy="0"/>
+        </a:xfrm>
+      </p:grpSpPr>
       <p:pic>
         <p:nvPicPr>
           <p:cNvPr id="5" name="Picture 4">
